--- a/User Manual-Data Acqusition Code.pptx
+++ b/User Manual-Data Acqusition Code.pptx
@@ -10053,7 +10053,7 @@
           <a:p>
             <a:fld id="{AE9197A8-35A4-487E-856C-B91598999D3A}" type="datetimeFigureOut">
               <a:rPr lang="en-US" smtClean="0"/>
-              <a:t>7/18/2025</a:t>
+              <a:t>7/22/2025</a:t>
             </a:fld>
             <a:endParaRPr lang="en-US"/>
           </a:p>
@@ -36162,16 +36162,13 @@
           <a:p>
             <a:r>
               <a:rPr lang="en-US" dirty="0"/>
-              <a:t>Download the entire folder located at “C:\Users\akb42\OneDrive - The Ohio State University\</a:t>
+              <a:t>Download the entire folder in </a:t>
             </a:r>
             <a:r>
               <a:rPr lang="en-US" dirty="0" err="1"/>
-              <a:t>DistrictHeatingNetwork</a:t>
-            </a:r>
-            <a:r>
-              <a:rPr lang="en-US" dirty="0"/>
-              <a:t>\Data Acquisition Code\Final”</a:t>
-            </a:r>
+              <a:t>lab_dhn</a:t>
+            </a:r>
+            <a:endParaRPr lang="en-US" dirty="0"/>
           </a:p>
           <a:p>
             <a:r>
@@ -49941,6 +49938,15 @@
 </file>
 
 <file path=customXml/item1.xml><?xml version="1.0" encoding="utf-8"?>
+<?mso-contentType ?>
+<FormTemplates xmlns="http://schemas.microsoft.com/sharepoint/v3/contenttype/forms">
+  <Display>DocumentLibraryForm</Display>
+  <Edit>DocumentLibraryForm</Edit>
+  <New>DocumentLibraryForm</New>
+</FormTemplates>
+</file>
+
+<file path=customXml/item2.xml><?xml version="1.0" encoding="utf-8"?>
 <ct:contentTypeSchema xmlns:ct="http://schemas.microsoft.com/office/2006/metadata/contentType" xmlns:ma="http://schemas.microsoft.com/office/2006/metadata/properties/metaAttributes" ct:_="" ma:_="" ma:contentTypeName="Document" ma:contentTypeID="0x010100EF4FFFA88C93774C8F1554A0C531D58D" ma:contentTypeVersion="14" ma:contentTypeDescription="Create a new document." ma:contentTypeScope="" ma:versionID="eab593b7e9a0159258a80147686bef8f">
   <xsd:schema xmlns:xsd="http://www.w3.org/2001/XMLSchema" xmlns:xs="http://www.w3.org/2001/XMLSchema" xmlns:p="http://schemas.microsoft.com/office/2006/metadata/properties" xmlns:ns3="c4ee87f3-bfad-483f-96bf-9cc52926c3ff" xmlns:ns4="2ca13201-98f9-403b-b60f-f7c8f972c755" targetNamespace="http://schemas.microsoft.com/office/2006/metadata/properties" ma:root="true" ma:fieldsID="548e21ae42ae42e3654e4b76e99ebd8d" ns3:_="" ns4:_="">
     <xsd:import namespace="c4ee87f3-bfad-483f-96bf-9cc52926c3ff"/>
@@ -50169,22 +50175,21 @@
 </ct:contentTypeSchema>
 </file>
 
-<file path=customXml/item2.xml><?xml version="1.0" encoding="utf-8"?>
+<file path=customXml/item3.xml><?xml version="1.0" encoding="utf-8"?>
 <p:properties xmlns:p="http://schemas.microsoft.com/office/2006/metadata/properties" xmlns:xsi="http://www.w3.org/2001/XMLSchema-instance" xmlns:pc="http://schemas.microsoft.com/office/infopath/2007/PartnerControls">
   <documentManagement/>
 </p:properties>
 </file>
 
-<file path=customXml/item3.xml><?xml version="1.0" encoding="utf-8"?>
-<?mso-contentType ?>
-<FormTemplates xmlns="http://schemas.microsoft.com/sharepoint/v3/contenttype/forms">
-  <Display>DocumentLibraryForm</Display>
-  <Edit>DocumentLibraryForm</Edit>
-  <New>DocumentLibraryForm</New>
-</FormTemplates>
+<file path=customXml/itemProps1.xml><?xml version="1.0" encoding="utf-8"?>
+<ds:datastoreItem xmlns:ds="http://schemas.openxmlformats.org/officeDocument/2006/customXml" ds:itemID="{0A617FAC-5657-41AA-BD19-552D21ACB08B}">
+  <ds:schemaRefs>
+    <ds:schemaRef ds:uri="http://schemas.microsoft.com/sharepoint/v3/contenttype/forms"/>
+  </ds:schemaRefs>
+</ds:datastoreItem>
 </file>
 
-<file path=customXml/itemProps1.xml><?xml version="1.0" encoding="utf-8"?>
+<file path=customXml/itemProps2.xml><?xml version="1.0" encoding="utf-8"?>
 <ds:datastoreItem xmlns:ds="http://schemas.openxmlformats.org/officeDocument/2006/customXml" ds:itemID="{C58ED129-E74A-4AC7-9348-376644FD27A5}">
   <ds:schemaRefs>
     <ds:schemaRef ds:uri="http://schemas.microsoft.com/office/2006/metadata/contentType"/>
@@ -50203,7 +50208,7 @@
 </ds:datastoreItem>
 </file>
 
-<file path=customXml/itemProps2.xml><?xml version="1.0" encoding="utf-8"?>
+<file path=customXml/itemProps3.xml><?xml version="1.0" encoding="utf-8"?>
 <ds:datastoreItem xmlns:ds="http://schemas.openxmlformats.org/officeDocument/2006/customXml" ds:itemID="{7FC04674-90D2-4F97-8402-1DB1EA887926}">
   <ds:schemaRefs>
     <ds:schemaRef ds:uri="http://schemas.microsoft.com/office/2006/metadata/properties"/>
@@ -50218,12 +50223,4 @@
     <ds:schemaRef ds:uri="http://schemas.openxmlformats.org/package/2006/metadata/core-properties"/>
   </ds:schemaRefs>
 </ds:datastoreItem>
-</file>
-
-<file path=customXml/itemProps3.xml><?xml version="1.0" encoding="utf-8"?>
-<ds:datastoreItem xmlns:ds="http://schemas.openxmlformats.org/officeDocument/2006/customXml" ds:itemID="{0A617FAC-5657-41AA-BD19-552D21ACB08B}">
-  <ds:schemaRefs>
-    <ds:schemaRef ds:uri="http://schemas.microsoft.com/sharepoint/v3/contenttype/forms"/>
-  </ds:schemaRefs>
-</ds:datastoreItem>
 </file>